--- a/BnB Pitch (FINAL).pptx
+++ b/BnB Pitch (FINAL).pptx
@@ -5,14 +5,16 @@
     <p:sldMasterId id="2147483732" r:id="rId1"/>
   </p:sldMasterIdLst>
   <p:notesMasterIdLst>
-    <p:notesMasterId r:id="rId7"/>
+    <p:notesMasterId r:id="rId9"/>
   </p:notesMasterIdLst>
   <p:sldIdLst>
     <p:sldId id="256" r:id="rId2"/>
     <p:sldId id="257" r:id="rId3"/>
-    <p:sldId id="258" r:id="rId4"/>
-    <p:sldId id="259" r:id="rId5"/>
-    <p:sldId id="260" r:id="rId6"/>
+    <p:sldId id="261" r:id="rId4"/>
+    <p:sldId id="262" r:id="rId5"/>
+    <p:sldId id="263" r:id="rId6"/>
+    <p:sldId id="259" r:id="rId7"/>
+    <p:sldId id="260" r:id="rId8"/>
   </p:sldIdLst>
   <p:sldSz cx="12192000" cy="6858000"/>
   <p:notesSz cx="6858000" cy="9144000"/>
@@ -761,27 +763,8 @@
           <a:bodyPr/>
           <a:lstStyle/>
           <a:p>
-            <a:pPr marL="0" marR="0" lvl="0" indent="0" algn="l" defTabSz="914400" rtl="0" eaLnBrk="1" fontAlgn="auto" latinLnBrk="0" hangingPunct="1">
-              <a:lnSpc>
-                <a:spcPct val="100000"/>
-              </a:lnSpc>
-              <a:spcBef>
-                <a:spcPts val="0"/>
-              </a:spcBef>
-              <a:spcAft>
-                <a:spcPts val="0"/>
-              </a:spcAft>
-              <a:buClrTx/>
-              <a:buSzTx/>
-              <a:buFontTx/>
-              <a:buNone/>
-              <a:tabLst/>
-              <a:defRPr/>
-            </a:pPr>
-            <a:r>
-              <a:rPr lang="en-AU" sz="1200" dirty="0"/>
-              <a:t>Show a demo of product</a:t>
-            </a:r>
+            <a:pPr lvl="1"/>
+            <a:endParaRPr lang="en-AU" sz="2200" dirty="0"/>
           </a:p>
         </p:txBody>
       </p:sp>
@@ -802,7 +785,7 @@
           <a:p>
             <a:fld id="{B8FCB345-6D51-453A-A650-4BA2B766CC9F}" type="slidenum">
               <a:rPr lang="en-AU" smtClean="0"/>
-              <a:t>3</a:t>
+              <a:t>6</a:t>
             </a:fld>
             <a:endParaRPr lang="en-AU"/>
           </a:p>
@@ -811,7 +794,7 @@
     </p:spTree>
     <p:extLst>
       <p:ext uri="{BB962C8B-B14F-4D97-AF65-F5344CB8AC3E}">
-        <p14:creationId xmlns:p14="http://schemas.microsoft.com/office/powerpoint/2010/main" val="3609683502"/>
+        <p14:creationId xmlns:p14="http://schemas.microsoft.com/office/powerpoint/2010/main" val="2456344217"/>
       </p:ext>
     </p:extLst>
   </p:cSld>
@@ -887,92 +870,7 @@
           <a:p>
             <a:fld id="{B8FCB345-6D51-453A-A650-4BA2B766CC9F}" type="slidenum">
               <a:rPr lang="en-AU" smtClean="0"/>
-              <a:t>4</a:t>
-            </a:fld>
-            <a:endParaRPr lang="en-AU"/>
-          </a:p>
-        </p:txBody>
-      </p:sp>
-    </p:spTree>
-    <p:extLst>
-      <p:ext uri="{BB962C8B-B14F-4D97-AF65-F5344CB8AC3E}">
-        <p14:creationId xmlns:p14="http://schemas.microsoft.com/office/powerpoint/2010/main" val="2456344217"/>
-      </p:ext>
-    </p:extLst>
-  </p:cSld>
-  <p:clrMapOvr>
-    <a:masterClrMapping/>
-  </p:clrMapOvr>
-</p:notes>
-</file>
-
-<file path=ppt/notesSlides/notesSlide5.xml><?xml version="1.0" encoding="utf-8"?>
-<p:notes xmlns:a="http://schemas.openxmlformats.org/drawingml/2006/main" xmlns:r="http://schemas.openxmlformats.org/officeDocument/2006/relationships" xmlns:p="http://schemas.openxmlformats.org/presentationml/2006/main">
-  <p:cSld>
-    <p:spTree>
-      <p:nvGrpSpPr>
-        <p:cNvPr id="1" name=""/>
-        <p:cNvGrpSpPr/>
-        <p:nvPr/>
-      </p:nvGrpSpPr>
-      <p:grpSpPr>
-        <a:xfrm>
-          <a:off x="0" y="0"/>
-          <a:ext cx="0" cy="0"/>
-          <a:chOff x="0" y="0"/>
-          <a:chExt cx="0" cy="0"/>
-        </a:xfrm>
-      </p:grpSpPr>
-      <p:sp>
-        <p:nvSpPr>
-          <p:cNvPr id="2" name="Slide Image Placeholder 1"/>
-          <p:cNvSpPr>
-            <a:spLocks noGrp="1" noRot="1" noChangeAspect="1"/>
-          </p:cNvSpPr>
-          <p:nvPr>
-            <p:ph type="sldImg"/>
-          </p:nvPr>
-        </p:nvSpPr>
-        <p:spPr/>
-      </p:sp>
-      <p:sp>
-        <p:nvSpPr>
-          <p:cNvPr id="3" name="Notes Placeholder 2"/>
-          <p:cNvSpPr>
-            <a:spLocks noGrp="1"/>
-          </p:cNvSpPr>
-          <p:nvPr>
-            <p:ph type="body" idx="1"/>
-          </p:nvPr>
-        </p:nvSpPr>
-        <p:spPr/>
-        <p:txBody>
-          <a:bodyPr/>
-          <a:lstStyle/>
-          <a:p>
-            <a:pPr lvl="1"/>
-            <a:endParaRPr lang="en-AU" sz="2200" dirty="0"/>
-          </a:p>
-        </p:txBody>
-      </p:sp>
-      <p:sp>
-        <p:nvSpPr>
-          <p:cNvPr id="4" name="Slide Number Placeholder 3"/>
-          <p:cNvSpPr>
-            <a:spLocks noGrp="1"/>
-          </p:cNvSpPr>
-          <p:nvPr>
-            <p:ph type="sldNum" sz="quarter" idx="10"/>
-          </p:nvPr>
-        </p:nvSpPr>
-        <p:spPr/>
-        <p:txBody>
-          <a:bodyPr/>
-          <a:lstStyle/>
-          <a:p>
-            <a:fld id="{B8FCB345-6D51-453A-A650-4BA2B766CC9F}" type="slidenum">
-              <a:rPr lang="en-AU" smtClean="0"/>
-              <a:t>5</a:t>
+              <a:t>7</a:t>
             </a:fld>
             <a:endParaRPr lang="en-AU"/>
           </a:p>
@@ -1161,7 +1059,7 @@
           <a:p>
             <a:fld id="{45A00473-F21E-449D-BEDC-B253D5B33FEC}" type="datetimeFigureOut">
               <a:rPr lang="en-AU" smtClean="0"/>
-              <a:t>7/10/2017</a:t>
+              <a:t>8/10/2017</a:t>
             </a:fld>
             <a:endParaRPr lang="en-AU"/>
           </a:p>
@@ -1428,7 +1326,7 @@
           <a:p>
             <a:fld id="{45A00473-F21E-449D-BEDC-B253D5B33FEC}" type="datetimeFigureOut">
               <a:rPr lang="en-AU" smtClean="0"/>
-              <a:t>7/10/2017</a:t>
+              <a:t>8/10/2017</a:t>
             </a:fld>
             <a:endParaRPr lang="en-AU"/>
           </a:p>
@@ -1659,7 +1557,7 @@
           <a:p>
             <a:fld id="{45A00473-F21E-449D-BEDC-B253D5B33FEC}" type="datetimeFigureOut">
               <a:rPr lang="en-AU" smtClean="0"/>
-              <a:t>7/10/2017</a:t>
+              <a:t>8/10/2017</a:t>
             </a:fld>
             <a:endParaRPr lang="en-AU"/>
           </a:p>
@@ -1969,7 +1867,7 @@
           <a:p>
             <a:fld id="{45A00473-F21E-449D-BEDC-B253D5B33FEC}" type="datetimeFigureOut">
               <a:rPr lang="en-AU" smtClean="0"/>
-              <a:t>7/10/2017</a:t>
+              <a:t>8/10/2017</a:t>
             </a:fld>
             <a:endParaRPr lang="en-AU"/>
           </a:p>
@@ -2442,7 +2340,7 @@
           <a:p>
             <a:fld id="{45A00473-F21E-449D-BEDC-B253D5B33FEC}" type="datetimeFigureOut">
               <a:rPr lang="en-AU" smtClean="0"/>
-              <a:t>7/10/2017</a:t>
+              <a:t>8/10/2017</a:t>
             </a:fld>
             <a:endParaRPr lang="en-AU"/>
           </a:p>
@@ -2989,7 +2887,7 @@
           <a:p>
             <a:fld id="{45A00473-F21E-449D-BEDC-B253D5B33FEC}" type="datetimeFigureOut">
               <a:rPr lang="en-AU" smtClean="0"/>
-              <a:t>7/10/2017</a:t>
+              <a:t>8/10/2017</a:t>
             </a:fld>
             <a:endParaRPr lang="en-AU"/>
           </a:p>
@@ -3763,7 +3661,7 @@
           <a:p>
             <a:fld id="{45A00473-F21E-449D-BEDC-B253D5B33FEC}" type="datetimeFigureOut">
               <a:rPr lang="en-AU" smtClean="0"/>
-              <a:t>7/10/2017</a:t>
+              <a:t>8/10/2017</a:t>
             </a:fld>
             <a:endParaRPr lang="en-AU"/>
           </a:p>
@@ -3938,7 +3836,7 @@
           <a:p>
             <a:fld id="{45A00473-F21E-449D-BEDC-B253D5B33FEC}" type="datetimeFigureOut">
               <a:rPr lang="en-AU" smtClean="0"/>
-              <a:t>7/10/2017</a:t>
+              <a:t>8/10/2017</a:t>
             </a:fld>
             <a:endParaRPr lang="en-AU"/>
           </a:p>
@@ -4161,7 +4059,7 @@
           <a:p>
             <a:fld id="{45A00473-F21E-449D-BEDC-B253D5B33FEC}" type="datetimeFigureOut">
               <a:rPr lang="en-AU" smtClean="0"/>
-              <a:t>7/10/2017</a:t>
+              <a:t>8/10/2017</a:t>
             </a:fld>
             <a:endParaRPr lang="en-AU"/>
           </a:p>
@@ -4341,7 +4239,7 @@
           <a:p>
             <a:fld id="{45A00473-F21E-449D-BEDC-B253D5B33FEC}" type="datetimeFigureOut">
               <a:rPr lang="en-AU" smtClean="0"/>
-              <a:t>7/10/2017</a:t>
+              <a:t>8/10/2017</a:t>
             </a:fld>
             <a:endParaRPr lang="en-AU"/>
           </a:p>
@@ -4630,7 +4528,7 @@
           <a:p>
             <a:fld id="{45A00473-F21E-449D-BEDC-B253D5B33FEC}" type="datetimeFigureOut">
               <a:rPr lang="en-AU" smtClean="0"/>
-              <a:t>7/10/2017</a:t>
+              <a:t>8/10/2017</a:t>
             </a:fld>
             <a:endParaRPr lang="en-AU"/>
           </a:p>
@@ -4872,7 +4770,7 @@
           <a:p>
             <a:fld id="{45A00473-F21E-449D-BEDC-B253D5B33FEC}" type="datetimeFigureOut">
               <a:rPr lang="en-AU" smtClean="0"/>
-              <a:t>7/10/2017</a:t>
+              <a:t>8/10/2017</a:t>
             </a:fld>
             <a:endParaRPr lang="en-AU"/>
           </a:p>
@@ -5251,7 +5149,7 @@
           <a:p>
             <a:fld id="{45A00473-F21E-449D-BEDC-B253D5B33FEC}" type="datetimeFigureOut">
               <a:rPr lang="en-AU" smtClean="0"/>
-              <a:t>7/10/2017</a:t>
+              <a:t>8/10/2017</a:t>
             </a:fld>
             <a:endParaRPr lang="en-AU"/>
           </a:p>
@@ -5369,7 +5267,7 @@
           <a:p>
             <a:fld id="{45A00473-F21E-449D-BEDC-B253D5B33FEC}" type="datetimeFigureOut">
               <a:rPr lang="en-AU" smtClean="0"/>
-              <a:t>7/10/2017</a:t>
+              <a:t>8/10/2017</a:t>
             </a:fld>
             <a:endParaRPr lang="en-AU"/>
           </a:p>
@@ -5464,7 +5362,7 @@
           <a:p>
             <a:fld id="{45A00473-F21E-449D-BEDC-B253D5B33FEC}" type="datetimeFigureOut">
               <a:rPr lang="en-AU" smtClean="0"/>
-              <a:t>7/10/2017</a:t>
+              <a:t>8/10/2017</a:t>
             </a:fld>
             <a:endParaRPr lang="en-AU"/>
           </a:p>
@@ -5713,7 +5611,7 @@
           <a:p>
             <a:fld id="{45A00473-F21E-449D-BEDC-B253D5B33FEC}" type="datetimeFigureOut">
               <a:rPr lang="en-AU" smtClean="0"/>
-              <a:t>7/10/2017</a:t>
+              <a:t>8/10/2017</a:t>
             </a:fld>
             <a:endParaRPr lang="en-AU"/>
           </a:p>
@@ -5970,7 +5868,7 @@
           <a:p>
             <a:fld id="{45A00473-F21E-449D-BEDC-B253D5B33FEC}" type="datetimeFigureOut">
               <a:rPr lang="en-AU" smtClean="0"/>
-              <a:t>7/10/2017</a:t>
+              <a:t>8/10/2017</a:t>
             </a:fld>
             <a:endParaRPr lang="en-AU"/>
           </a:p>
@@ -6213,7 +6111,7 @@
           <a:p>
             <a:fld id="{45A00473-F21E-449D-BEDC-B253D5B33FEC}" type="datetimeFigureOut">
               <a:rPr lang="en-AU" smtClean="0"/>
-              <a:t>7/10/2017</a:t>
+              <a:t>8/10/2017</a:t>
             </a:fld>
             <a:endParaRPr lang="en-AU"/>
           </a:p>
@@ -6629,7 +6527,7 @@
           <p:cNvPr id="2" name="Title 1">
             <a:extLst>
               <a:ext uri="{FF2B5EF4-FFF2-40B4-BE49-F238E27FC236}">
-                <a16:creationId xmlns:a16="http://schemas.microsoft.com/office/drawing/2014/main" id="{E947500F-96E7-4C60-9019-B50281FBACCD}"/>
+                <a16:creationId xmlns:a16="http://schemas.microsoft.com/office/drawing/2014/main" xmlns="" id="{E947500F-96E7-4C60-9019-B50281FBACCD}"/>
               </a:ext>
             </a:extLst>
           </p:cNvPr>
@@ -6699,7 +6597,7 @@
           <p:cNvPr id="3" name="Content Placeholder 2">
             <a:extLst>
               <a:ext uri="{FF2B5EF4-FFF2-40B4-BE49-F238E27FC236}">
-                <a16:creationId xmlns:a16="http://schemas.microsoft.com/office/drawing/2014/main" id="{D86A5D0A-16ED-420E-B7BE-82E5862BE2D4}"/>
+                <a16:creationId xmlns:a16="http://schemas.microsoft.com/office/drawing/2014/main" xmlns="" id="{D86A5D0A-16ED-420E-B7BE-82E5862BE2D4}"/>
               </a:ext>
             </a:extLst>
           </p:cNvPr>
@@ -6766,13 +6664,36 @@
       </p:grpSpPr>
       <p:sp>
         <p:nvSpPr>
-          <p:cNvPr id="3" name="Content Placeholder 2">
-            <a:extLst>
-              <a:ext uri="{FF2B5EF4-FFF2-40B4-BE49-F238E27FC236}">
-                <a16:creationId xmlns:a16="http://schemas.microsoft.com/office/drawing/2014/main" id="{D86A5D0A-16ED-420E-B7BE-82E5862BE2D4}"/>
-              </a:ext>
-            </a:extLst>
-          </p:cNvPr>
+          <p:cNvPr id="2" name="Title 1"/>
+          <p:cNvSpPr>
+            <a:spLocks noGrp="1"/>
+          </p:cNvSpPr>
+          <p:nvPr>
+            <p:ph type="title"/>
+          </p:nvPr>
+        </p:nvSpPr>
+        <p:spPr>
+          <a:xfrm>
+            <a:off x="725214" y="764373"/>
+            <a:ext cx="10780986" cy="1293028"/>
+          </a:xfrm>
+        </p:spPr>
+        <p:txBody>
+          <a:bodyPr/>
+          <a:lstStyle/>
+          <a:p>
+            <a:pPr algn="ctr"/>
+            <a:r>
+              <a:rPr lang="en-AU" dirty="0" smtClean="0"/>
+              <a:t>Have you ever Wanted…..</a:t>
+            </a:r>
+            <a:endParaRPr lang="en-AU" dirty="0"/>
+          </a:p>
+        </p:txBody>
+      </p:sp>
+      <p:sp>
+        <p:nvSpPr>
+          <p:cNvPr id="3" name="Content Placeholder 2"/>
           <p:cNvSpPr>
             <a:spLocks noGrp="1"/>
           </p:cNvSpPr>
@@ -6780,44 +6701,54 @@
             <p:ph idx="1"/>
           </p:nvPr>
         </p:nvSpPr>
-        <p:spPr>
-          <a:xfrm>
-            <a:off x="543910" y="2163029"/>
-            <a:ext cx="10820400" cy="4024125"/>
-          </a:xfrm>
-        </p:spPr>
+        <p:spPr/>
         <p:txBody>
           <a:bodyPr>
             <a:normAutofit/>
           </a:bodyPr>
           <a:lstStyle/>
           <a:p>
-            <a:pPr marL="0" indent="0" algn="ctr">
-              <a:lnSpc>
-                <a:spcPct val="100000"/>
-              </a:lnSpc>
+            <a:r>
+              <a:rPr lang="en-AU" sz="2800" dirty="0" smtClean="0"/>
+              <a:t>To have a few drinks, but a certain type in particular?</a:t>
+            </a:r>
+          </a:p>
+          <a:p>
+            <a:pPr marL="0" indent="0">
               <a:buNone/>
             </a:pPr>
-            <a:endParaRPr lang="en-AU" sz="4400" dirty="0"/>
-          </a:p>
-          <a:p>
-            <a:pPr marL="0" indent="0" algn="ctr">
-              <a:lnSpc>
-                <a:spcPct val="100000"/>
-              </a:lnSpc>
-              <a:buNone/>
-            </a:pPr>
-            <a:r>
-              <a:rPr lang="en-AU" sz="4400" dirty="0"/>
-              <a:t>Demo time!</a:t>
-            </a:r>
+            <a:endParaRPr lang="en-AU" sz="2800" dirty="0"/>
+          </a:p>
+          <a:p>
+            <a:r>
+              <a:rPr lang="en-AU" sz="2800" dirty="0"/>
+              <a:t>T</a:t>
+            </a:r>
+            <a:r>
+              <a:rPr lang="en-AU" sz="2800" dirty="0" smtClean="0"/>
+              <a:t>o explore and try some new places to create memories with friends?</a:t>
+            </a:r>
+          </a:p>
+          <a:p>
+            <a:endParaRPr lang="en-AU" sz="2800" dirty="0"/>
+          </a:p>
+          <a:p>
+            <a:r>
+              <a:rPr lang="en-AU" sz="2800" dirty="0" smtClean="0"/>
+              <a:t>Or maybe even </a:t>
+            </a:r>
+            <a:r>
+              <a:rPr lang="en-AU" sz="2800" b="1" dirty="0" smtClean="0"/>
+              <a:t>Both?</a:t>
+            </a:r>
+            <a:endParaRPr lang="en-AU" sz="2800" dirty="0"/>
           </a:p>
         </p:txBody>
       </p:sp>
     </p:spTree>
     <p:extLst>
       <p:ext uri="{BB962C8B-B14F-4D97-AF65-F5344CB8AC3E}">
-        <p14:creationId xmlns:p14="http://schemas.microsoft.com/office/powerpoint/2010/main" val="817420287"/>
+        <p14:creationId xmlns:p14="http://schemas.microsoft.com/office/powerpoint/2010/main" val="3232600345"/>
       </p:ext>
     </p:extLst>
   </p:cSld>
@@ -6846,13 +6777,36 @@
       </p:grpSpPr>
       <p:sp>
         <p:nvSpPr>
-          <p:cNvPr id="3" name="Content Placeholder 2">
-            <a:extLst>
-              <a:ext uri="{FF2B5EF4-FFF2-40B4-BE49-F238E27FC236}">
-                <a16:creationId xmlns:a16="http://schemas.microsoft.com/office/drawing/2014/main" id="{D86A5D0A-16ED-420E-B7BE-82E5862BE2D4}"/>
-              </a:ext>
-            </a:extLst>
-          </p:cNvPr>
+          <p:cNvPr id="2" name="Title 1"/>
+          <p:cNvSpPr>
+            <a:spLocks noGrp="1"/>
+          </p:cNvSpPr>
+          <p:nvPr>
+            <p:ph type="title"/>
+          </p:nvPr>
+        </p:nvSpPr>
+        <p:spPr>
+          <a:xfrm>
+            <a:off x="725214" y="764373"/>
+            <a:ext cx="10780986" cy="1293028"/>
+          </a:xfrm>
+        </p:spPr>
+        <p:txBody>
+          <a:bodyPr/>
+          <a:lstStyle/>
+          <a:p>
+            <a:pPr algn="ctr"/>
+            <a:r>
+              <a:rPr lang="en-AU" dirty="0" smtClean="0"/>
+              <a:t>Our product</a:t>
+            </a:r>
+            <a:endParaRPr lang="en-AU" dirty="0"/>
+          </a:p>
+        </p:txBody>
+      </p:sp>
+      <p:sp>
+        <p:nvSpPr>
+          <p:cNvPr id="3" name="Content Placeholder 2"/>
           <p:cNvSpPr>
             <a:spLocks noGrp="1"/>
           </p:cNvSpPr>
@@ -6862,31 +6816,46 @@
         </p:nvSpPr>
         <p:spPr/>
         <p:txBody>
-          <a:bodyPr>
-            <a:normAutofit/>
-          </a:bodyPr>
-          <a:lstStyle/>
-          <a:p>
-            <a:pPr marL="0" indent="0" algn="ctr">
-              <a:buNone/>
-            </a:pPr>
-            <a:endParaRPr lang="en-AU" sz="4400" dirty="0"/>
-          </a:p>
-          <a:p>
-            <a:pPr marL="0" indent="0" algn="ctr">
-              <a:buNone/>
-            </a:pPr>
-            <a:r>
-              <a:rPr lang="en-AU" sz="4400" dirty="0"/>
-              <a:t>How we can build upon our solution into the future…</a:t>
-            </a:r>
+          <a:bodyPr/>
+          <a:lstStyle/>
+          <a:p>
+            <a:r>
+              <a:rPr lang="en-AU" sz="2800" dirty="0" smtClean="0"/>
+              <a:t>Allows you discover, locate, and store your favourite brews</a:t>
+            </a:r>
+          </a:p>
+          <a:p>
+            <a:endParaRPr lang="en-AU" sz="2800" dirty="0"/>
+          </a:p>
+          <a:p>
+            <a:r>
+              <a:rPr lang="en-AU" sz="2800" dirty="0" smtClean="0"/>
+              <a:t>Generate an ‘Adventure’ to go and discover new places with certain requirements (i.e. wanting to ensure a certain brew is available).</a:t>
+            </a:r>
+          </a:p>
+          <a:p>
+            <a:endParaRPr lang="en-AU" sz="2800" dirty="0"/>
+          </a:p>
+          <a:p>
+            <a:r>
+              <a:rPr lang="en-AU" sz="2800" dirty="0" smtClean="0"/>
+              <a:t>Most importantly, </a:t>
+            </a:r>
+            <a:r>
+              <a:rPr lang="en-AU" sz="2800" b="1" dirty="0" smtClean="0"/>
+              <a:t>encourages people to create and participate in occasions with current and/or new friends! </a:t>
+            </a:r>
+            <a:endParaRPr lang="en-AU" sz="2800" dirty="0"/>
+          </a:p>
+          <a:p>
+            <a:endParaRPr lang="en-AU" dirty="0"/>
           </a:p>
         </p:txBody>
       </p:sp>
     </p:spTree>
     <p:extLst>
       <p:ext uri="{BB962C8B-B14F-4D97-AF65-F5344CB8AC3E}">
-        <p14:creationId xmlns:p14="http://schemas.microsoft.com/office/powerpoint/2010/main" val="2542434811"/>
+        <p14:creationId xmlns:p14="http://schemas.microsoft.com/office/powerpoint/2010/main" val="3931085454"/>
       </p:ext>
     </p:extLst>
   </p:cSld>
@@ -6915,10 +6884,202 @@
       </p:grpSpPr>
       <p:sp>
         <p:nvSpPr>
+          <p:cNvPr id="2" name="Title 1"/>
+          <p:cNvSpPr>
+            <a:spLocks noGrp="1"/>
+          </p:cNvSpPr>
+          <p:nvPr>
+            <p:ph type="title"/>
+          </p:nvPr>
+        </p:nvSpPr>
+        <p:spPr>
+          <a:xfrm>
+            <a:off x="725214" y="764373"/>
+            <a:ext cx="10780986" cy="1293028"/>
+          </a:xfrm>
+        </p:spPr>
+        <p:txBody>
+          <a:bodyPr/>
+          <a:lstStyle/>
+          <a:p>
+            <a:pPr marL="0" indent="0" algn="ctr"/>
+            <a:r>
+              <a:rPr lang="en-AU" dirty="0"/>
+              <a:t>How we can build upon our solution into the future…</a:t>
+            </a:r>
+            <a:endParaRPr lang="en-AU" dirty="0"/>
+          </a:p>
+        </p:txBody>
+      </p:sp>
+      <p:sp>
+        <p:nvSpPr>
+          <p:cNvPr id="3" name="Content Placeholder 2"/>
+          <p:cNvSpPr>
+            <a:spLocks noGrp="1"/>
+          </p:cNvSpPr>
+          <p:nvPr>
+            <p:ph idx="1"/>
+          </p:nvPr>
+        </p:nvSpPr>
+        <p:spPr/>
+        <p:txBody>
+          <a:bodyPr/>
+          <a:lstStyle/>
+          <a:p>
+            <a:r>
+              <a:rPr lang="en-AU" dirty="0" smtClean="0"/>
+              <a:t>Mobile – Already mobile responsive but would prefer an app.</a:t>
+            </a:r>
+          </a:p>
+          <a:p>
+            <a:endParaRPr lang="en-AU" dirty="0"/>
+          </a:p>
+          <a:p>
+            <a:r>
+              <a:rPr lang="en-AU" dirty="0" smtClean="0"/>
+              <a:t>Private and public pub crawls</a:t>
+            </a:r>
+          </a:p>
+          <a:p>
+            <a:pPr lvl="1"/>
+            <a:r>
+              <a:rPr lang="en-AU" dirty="0" smtClean="0"/>
+              <a:t>Invites for privates crawls</a:t>
+            </a:r>
+          </a:p>
+          <a:p>
+            <a:endParaRPr lang="en-AU" dirty="0"/>
+          </a:p>
+          <a:p>
+            <a:r>
+              <a:rPr lang="en-AU" dirty="0" smtClean="0"/>
+              <a:t>Google Directions API </a:t>
+            </a:r>
+          </a:p>
+          <a:p>
+            <a:endParaRPr lang="en-AU" dirty="0"/>
+          </a:p>
+          <a:p>
+            <a:r>
+              <a:rPr lang="en-AU" dirty="0" smtClean="0"/>
+              <a:t>Promotions</a:t>
+            </a:r>
+            <a:r>
+              <a:rPr lang="en-AU" dirty="0"/>
+              <a:t> </a:t>
+            </a:r>
+            <a:r>
+              <a:rPr lang="en-AU" dirty="0" smtClean="0"/>
+              <a:t>and notifications.</a:t>
+            </a:r>
+          </a:p>
+        </p:txBody>
+      </p:sp>
+    </p:spTree>
+    <p:extLst>
+      <p:ext uri="{BB962C8B-B14F-4D97-AF65-F5344CB8AC3E}">
+        <p14:creationId xmlns:p14="http://schemas.microsoft.com/office/powerpoint/2010/main" val="4128467259"/>
+      </p:ext>
+    </p:extLst>
+  </p:cSld>
+  <p:clrMapOvr>
+    <a:masterClrMapping/>
+  </p:clrMapOvr>
+</p:sld>
+</file>
+
+<file path=ppt/slides/slide6.xml><?xml version="1.0" encoding="utf-8"?>
+<p:sld xmlns:a="http://schemas.openxmlformats.org/drawingml/2006/main" xmlns:r="http://schemas.openxmlformats.org/officeDocument/2006/relationships" xmlns:p="http://schemas.openxmlformats.org/presentationml/2006/main">
+  <p:cSld>
+    <p:spTree>
+      <p:nvGrpSpPr>
+        <p:cNvPr id="1" name=""/>
+        <p:cNvGrpSpPr/>
+        <p:nvPr/>
+      </p:nvGrpSpPr>
+      <p:grpSpPr>
+        <a:xfrm>
+          <a:off x="0" y="0"/>
+          <a:ext cx="0" cy="0"/>
+          <a:chOff x="0" y="0"/>
+          <a:chExt cx="0" cy="0"/>
+        </a:xfrm>
+      </p:grpSpPr>
+      <p:sp>
+        <p:nvSpPr>
           <p:cNvPr id="3" name="Content Placeholder 2">
             <a:extLst>
               <a:ext uri="{FF2B5EF4-FFF2-40B4-BE49-F238E27FC236}">
-                <a16:creationId xmlns:a16="http://schemas.microsoft.com/office/drawing/2014/main" id="{D86A5D0A-16ED-420E-B7BE-82E5862BE2D4}"/>
+                <a16:creationId xmlns:a16="http://schemas.microsoft.com/office/drawing/2014/main" xmlns="" id="{D86A5D0A-16ED-420E-B7BE-82E5862BE2D4}"/>
+              </a:ext>
+            </a:extLst>
+          </p:cNvPr>
+          <p:cNvSpPr>
+            <a:spLocks noGrp="1"/>
+          </p:cNvSpPr>
+          <p:nvPr>
+            <p:ph idx="1"/>
+          </p:nvPr>
+        </p:nvSpPr>
+        <p:spPr/>
+        <p:txBody>
+          <a:bodyPr>
+            <a:normAutofit/>
+          </a:bodyPr>
+          <a:lstStyle/>
+          <a:p>
+            <a:pPr marL="0" indent="0" algn="ctr">
+              <a:buNone/>
+            </a:pPr>
+            <a:endParaRPr lang="en-AU" sz="4400" dirty="0"/>
+          </a:p>
+          <a:p>
+            <a:pPr marL="0" indent="0" algn="ctr">
+              <a:buNone/>
+            </a:pPr>
+            <a:r>
+              <a:rPr lang="en-AU" sz="4400" dirty="0"/>
+              <a:t>How we can build upon our solution into the future…</a:t>
+            </a:r>
+          </a:p>
+        </p:txBody>
+      </p:sp>
+    </p:spTree>
+    <p:extLst>
+      <p:ext uri="{BB962C8B-B14F-4D97-AF65-F5344CB8AC3E}">
+        <p14:creationId xmlns:p14="http://schemas.microsoft.com/office/powerpoint/2010/main" val="2542434811"/>
+      </p:ext>
+    </p:extLst>
+  </p:cSld>
+  <p:clrMapOvr>
+    <a:masterClrMapping/>
+  </p:clrMapOvr>
+</p:sld>
+</file>
+
+<file path=ppt/slides/slide7.xml><?xml version="1.0" encoding="utf-8"?>
+<p:sld xmlns:a="http://schemas.openxmlformats.org/drawingml/2006/main" xmlns:r="http://schemas.openxmlformats.org/officeDocument/2006/relationships" xmlns:p="http://schemas.openxmlformats.org/presentationml/2006/main">
+  <p:cSld>
+    <p:spTree>
+      <p:nvGrpSpPr>
+        <p:cNvPr id="1" name=""/>
+        <p:cNvGrpSpPr/>
+        <p:nvPr/>
+      </p:nvGrpSpPr>
+      <p:grpSpPr>
+        <a:xfrm>
+          <a:off x="0" y="0"/>
+          <a:ext cx="0" cy="0"/>
+          <a:chOff x="0" y="0"/>
+          <a:chExt cx="0" cy="0"/>
+        </a:xfrm>
+      </p:grpSpPr>
+      <p:sp>
+        <p:nvSpPr>
+          <p:cNvPr id="3" name="Content Placeholder 2">
+            <a:extLst>
+              <a:ext uri="{FF2B5EF4-FFF2-40B4-BE49-F238E27FC236}">
+                <a16:creationId xmlns:a16="http://schemas.microsoft.com/office/drawing/2014/main" xmlns="" id="{D86A5D0A-16ED-420E-B7BE-82E5862BE2D4}"/>
               </a:ext>
             </a:extLst>
           </p:cNvPr>
@@ -7229,7 +7390,7 @@
   <a:extraClrSchemeLst/>
   <a:extLst>
     <a:ext uri="{05A4C25C-085E-4340-85A3-A5531E510DB2}">
-      <thm15:themeFamily xmlns:thm15="http://schemas.microsoft.com/office/thememl/2012/main" name="Vapor Trail" id="{4FDF2955-7D9C-493C-B9F9-C205151B46CD}" vid="{FE1EB5C7-81A8-4CBA-AE6E-B3BF73DC3895}"/>
+      <thm15:themeFamily xmlns:thm15="http://schemas.microsoft.com/office/thememl/2012/main" xmlns="" name="Vapor Trail" id="{4FDF2955-7D9C-493C-B9F9-C205151B46CD}" vid="{FE1EB5C7-81A8-4CBA-AE6E-B3BF73DC3895}"/>
     </a:ext>
   </a:extLst>
 </a:theme>
@@ -7524,7 +7685,7 @@
   <a:extraClrSchemeLst/>
   <a:extLst>
     <a:ext uri="{05A4C25C-085E-4340-85A3-A5531E510DB2}">
-      <thm15:themeFamily xmlns:thm15="http://schemas.microsoft.com/office/thememl/2012/main" name="Office Theme" id="{62F939B6-93AF-4DB8-9C6B-D6C7DFDC589F}" vid="{4A3C46E8-61CC-4603-A589-7422A47A8E4A}"/>
+      <thm15:themeFamily xmlns:thm15="http://schemas.microsoft.com/office/thememl/2012/main" xmlns="" name="Office Theme" id="{62F939B6-93AF-4DB8-9C6B-D6C7DFDC589F}" vid="{4A3C46E8-61CC-4603-A589-7422A47A8E4A}"/>
     </a:ext>
   </a:extLst>
 </a:theme>

--- a/BnB Pitch (FINAL).pptx
+++ b/BnB Pitch (FINAL).pptx
@@ -5,7 +5,7 @@
     <p:sldMasterId id="2147483732" r:id="rId1"/>
   </p:sldMasterIdLst>
   <p:notesMasterIdLst>
-    <p:notesMasterId r:id="rId9"/>
+    <p:notesMasterId r:id="rId8"/>
   </p:notesMasterIdLst>
   <p:sldIdLst>
     <p:sldId id="256" r:id="rId2"/>
@@ -13,8 +13,7 @@
     <p:sldId id="261" r:id="rId4"/>
     <p:sldId id="262" r:id="rId5"/>
     <p:sldId id="263" r:id="rId6"/>
-    <p:sldId id="259" r:id="rId7"/>
-    <p:sldId id="260" r:id="rId8"/>
+    <p:sldId id="260" r:id="rId7"/>
   </p:sldIdLst>
   <p:sldSz cx="12192000" cy="6858000"/>
   <p:notesSz cx="6858000" cy="9144000"/>
@@ -786,91 +785,6 @@
             <a:fld id="{B8FCB345-6D51-453A-A650-4BA2B766CC9F}" type="slidenum">
               <a:rPr lang="en-AU" smtClean="0"/>
               <a:t>6</a:t>
-            </a:fld>
-            <a:endParaRPr lang="en-AU"/>
-          </a:p>
-        </p:txBody>
-      </p:sp>
-    </p:spTree>
-    <p:extLst>
-      <p:ext uri="{BB962C8B-B14F-4D97-AF65-F5344CB8AC3E}">
-        <p14:creationId xmlns:p14="http://schemas.microsoft.com/office/powerpoint/2010/main" val="2456344217"/>
-      </p:ext>
-    </p:extLst>
-  </p:cSld>
-  <p:clrMapOvr>
-    <a:masterClrMapping/>
-  </p:clrMapOvr>
-</p:notes>
-</file>
-
-<file path=ppt/notesSlides/notesSlide4.xml><?xml version="1.0" encoding="utf-8"?>
-<p:notes xmlns:a="http://schemas.openxmlformats.org/drawingml/2006/main" xmlns:r="http://schemas.openxmlformats.org/officeDocument/2006/relationships" xmlns:p="http://schemas.openxmlformats.org/presentationml/2006/main">
-  <p:cSld>
-    <p:spTree>
-      <p:nvGrpSpPr>
-        <p:cNvPr id="1" name=""/>
-        <p:cNvGrpSpPr/>
-        <p:nvPr/>
-      </p:nvGrpSpPr>
-      <p:grpSpPr>
-        <a:xfrm>
-          <a:off x="0" y="0"/>
-          <a:ext cx="0" cy="0"/>
-          <a:chOff x="0" y="0"/>
-          <a:chExt cx="0" cy="0"/>
-        </a:xfrm>
-      </p:grpSpPr>
-      <p:sp>
-        <p:nvSpPr>
-          <p:cNvPr id="2" name="Slide Image Placeholder 1"/>
-          <p:cNvSpPr>
-            <a:spLocks noGrp="1" noRot="1" noChangeAspect="1"/>
-          </p:cNvSpPr>
-          <p:nvPr>
-            <p:ph type="sldImg"/>
-          </p:nvPr>
-        </p:nvSpPr>
-        <p:spPr/>
-      </p:sp>
-      <p:sp>
-        <p:nvSpPr>
-          <p:cNvPr id="3" name="Notes Placeholder 2"/>
-          <p:cNvSpPr>
-            <a:spLocks noGrp="1"/>
-          </p:cNvSpPr>
-          <p:nvPr>
-            <p:ph type="body" idx="1"/>
-          </p:nvPr>
-        </p:nvSpPr>
-        <p:spPr/>
-        <p:txBody>
-          <a:bodyPr/>
-          <a:lstStyle/>
-          <a:p>
-            <a:pPr lvl="1"/>
-            <a:endParaRPr lang="en-AU" sz="2200" dirty="0"/>
-          </a:p>
-        </p:txBody>
-      </p:sp>
-      <p:sp>
-        <p:nvSpPr>
-          <p:cNvPr id="4" name="Slide Number Placeholder 3"/>
-          <p:cNvSpPr>
-            <a:spLocks noGrp="1"/>
-          </p:cNvSpPr>
-          <p:nvPr>
-            <p:ph type="sldNum" sz="quarter" idx="10"/>
-          </p:nvPr>
-        </p:nvSpPr>
-        <p:spPr/>
-        <p:txBody>
-          <a:bodyPr/>
-          <a:lstStyle/>
-          <a:p>
-            <a:fld id="{B8FCB345-6D51-453A-A650-4BA2B766CC9F}" type="slidenum">
-              <a:rPr lang="en-AU" smtClean="0"/>
-              <a:t>7</a:t>
             </a:fld>
             <a:endParaRPr lang="en-AU"/>
           </a:p>
@@ -6572,6 +6486,13 @@
   <p:clrMapOvr>
     <a:masterClrMapping/>
   </p:clrMapOvr>
+  <p:timing>
+    <p:tnLst>
+      <p:par>
+        <p:cTn id="1" dur="indefinite" restart="never" nodeType="tmRoot"/>
+      </p:par>
+    </p:tnLst>
+  </p:timing>
 </p:sld>
 </file>
 
@@ -6642,6 +6563,13 @@
   <p:clrMapOvr>
     <a:masterClrMapping/>
   </p:clrMapOvr>
+  <p:timing>
+    <p:tnLst>
+      <p:par>
+        <p:cTn id="1" dur="indefinite" restart="never" nodeType="tmRoot"/>
+      </p:par>
+    </p:tnLst>
+  </p:timing>
 </p:sld>
 </file>
 
@@ -6755,6 +6683,13 @@
   <p:clrMapOvr>
     <a:masterClrMapping/>
   </p:clrMapOvr>
+  <p:timing>
+    <p:tnLst>
+      <p:par>
+        <p:cTn id="1" dur="indefinite" restart="never" nodeType="tmRoot"/>
+      </p:par>
+    </p:tnLst>
+  </p:timing>
 </p:sld>
 </file>
 
@@ -6862,6 +6797,13 @@
   <p:clrMapOvr>
     <a:masterClrMapping/>
   </p:clrMapOvr>
+  <p:timing>
+    <p:tnLst>
+      <p:par>
+        <p:cTn id="1" dur="indefinite" restart="never" nodeType="tmRoot"/>
+      </p:par>
+    </p:tnLst>
+  </p:timing>
 </p:sld>
 </file>
 
@@ -6985,6 +6927,13 @@
   <p:clrMapOvr>
     <a:masterClrMapping/>
   </p:clrMapOvr>
+  <p:timing>
+    <p:tnLst>
+      <p:par>
+        <p:cTn id="1" dur="indefinite" restart="never" nodeType="tmRoot"/>
+      </p:par>
+    </p:tnLst>
+  </p:timing>
 </p:sld>
 </file>
 
@@ -7038,78 +6987,10 @@
               <a:buNone/>
             </a:pPr>
             <a:r>
-              <a:rPr lang="en-AU" sz="4400" dirty="0"/>
-              <a:t>How we can build upon our solution into the future…</a:t>
-            </a:r>
-          </a:p>
-        </p:txBody>
-      </p:sp>
-    </p:spTree>
-    <p:extLst>
-      <p:ext uri="{BB962C8B-B14F-4D97-AF65-F5344CB8AC3E}">
-        <p14:creationId xmlns:p14="http://schemas.microsoft.com/office/powerpoint/2010/main" val="2542434811"/>
-      </p:ext>
-    </p:extLst>
-  </p:cSld>
-  <p:clrMapOvr>
-    <a:masterClrMapping/>
-  </p:clrMapOvr>
-</p:sld>
-</file>
-
-<file path=ppt/slides/slide7.xml><?xml version="1.0" encoding="utf-8"?>
-<p:sld xmlns:a="http://schemas.openxmlformats.org/drawingml/2006/main" xmlns:r="http://schemas.openxmlformats.org/officeDocument/2006/relationships" xmlns:p="http://schemas.openxmlformats.org/presentationml/2006/main">
-  <p:cSld>
-    <p:spTree>
-      <p:nvGrpSpPr>
-        <p:cNvPr id="1" name=""/>
-        <p:cNvGrpSpPr/>
-        <p:nvPr/>
-      </p:nvGrpSpPr>
-      <p:grpSpPr>
-        <a:xfrm>
-          <a:off x="0" y="0"/>
-          <a:ext cx="0" cy="0"/>
-          <a:chOff x="0" y="0"/>
-          <a:chExt cx="0" cy="0"/>
-        </a:xfrm>
-      </p:grpSpPr>
-      <p:sp>
-        <p:nvSpPr>
-          <p:cNvPr id="3" name="Content Placeholder 2">
-            <a:extLst>
-              <a:ext uri="{FF2B5EF4-FFF2-40B4-BE49-F238E27FC236}">
-                <a16:creationId xmlns:a16="http://schemas.microsoft.com/office/drawing/2014/main" xmlns="" id="{D86A5D0A-16ED-420E-B7BE-82E5862BE2D4}"/>
-              </a:ext>
-            </a:extLst>
-          </p:cNvPr>
-          <p:cNvSpPr>
-            <a:spLocks noGrp="1"/>
-          </p:cNvSpPr>
-          <p:nvPr>
-            <p:ph idx="1"/>
-          </p:nvPr>
-        </p:nvSpPr>
-        <p:spPr/>
-        <p:txBody>
-          <a:bodyPr>
-            <a:normAutofit/>
-          </a:bodyPr>
-          <a:lstStyle/>
-          <a:p>
-            <a:pPr marL="0" indent="0" algn="ctr">
-              <a:buNone/>
-            </a:pPr>
+              <a:rPr lang="en-AU" sz="4400" dirty="0" smtClean="0"/>
+              <a:t>Q &amp; A</a:t>
+            </a:r>
             <a:endParaRPr lang="en-AU" sz="4400" dirty="0"/>
-          </a:p>
-          <a:p>
-            <a:pPr marL="0" indent="0" algn="ctr">
-              <a:buNone/>
-            </a:pPr>
-            <a:r>
-              <a:rPr lang="en-AU" sz="4400" dirty="0"/>
-              <a:t>Any questions?</a:t>
-            </a:r>
           </a:p>
         </p:txBody>
       </p:sp>
@@ -7123,6 +7004,13 @@
   <p:clrMapOvr>
     <a:masterClrMapping/>
   </p:clrMapOvr>
+  <p:timing>
+    <p:tnLst>
+      <p:par>
+        <p:cTn id="1" dur="indefinite" restart="never" nodeType="tmRoot"/>
+      </p:par>
+    </p:tnLst>
+  </p:timing>
 </p:sld>
 </file>
 
